--- a/02 - Cosmos DB/Cosmos DB.pptx
+++ b/02 - Cosmos DB/Cosmos DB.pptx
@@ -12377,10 +12377,10 @@
           <a:p>
             <a:pPr lvl="1"/>
             <a:r>
-              <a:rPr lang="sk-SK" dirty="0">
+              <a:rPr lang="sk-SK">
                 <a:hlinkClick r:id="rId2"/>
               </a:rPr>
-              <a:t>https://github.com/kubinko/Azure_Resources_Overview</a:t>
+              <a:t>https://github.com/kubinko/Azure-Resources-Overview</a:t>
             </a:r>
             <a:endParaRPr lang="sk-SK" dirty="0"/>
           </a:p>
@@ -14252,21 +14252,12 @@
 </file>
 
 <file path=customXml/item1.xml><?xml version="1.0" encoding="utf-8"?>
-<?mso-contentType ?>
-<FormTemplates xmlns="http://schemas.microsoft.com/sharepoint/v3/contenttype/forms">
-  <Display>DocumentLibraryForm</Display>
-  <Edit>DocumentLibraryForm</Edit>
-  <New>DocumentLibraryForm</New>
-</FormTemplates>
-</file>
-
-<file path=customXml/item2.xml><?xml version="1.0" encoding="utf-8"?>
 <p:properties xmlns:p="http://schemas.microsoft.com/office/2006/metadata/properties" xmlns:xsi="http://www.w3.org/2001/XMLSchema-instance" xmlns:pc="http://schemas.microsoft.com/office/infopath/2007/PartnerControls">
   <documentManagement/>
 </p:properties>
 </file>
 
-<file path=customXml/item3.xml><?xml version="1.0" encoding="utf-8"?>
+<file path=customXml/item2.xml><?xml version="1.0" encoding="utf-8"?>
 <ct:contentTypeSchema xmlns:ct="http://schemas.microsoft.com/office/2006/metadata/contentType" xmlns:ma="http://schemas.microsoft.com/office/2006/metadata/properties/metaAttributes" ct:_="" ma:_="" ma:contentTypeName="Dokument" ma:contentTypeID="0x010100D81D723D8BF7FD46A3A6BCCE71436C13" ma:contentTypeVersion="9" ma:contentTypeDescription="Umožňuje vytvoriť nový dokument." ma:contentTypeScope="" ma:versionID="5027bbb3b2b87f7facb5ec0a1a051276">
   <xsd:schema xmlns:xsd="http://www.w3.org/2001/XMLSchema" xmlns:xs="http://www.w3.org/2001/XMLSchema" xmlns:p="http://schemas.microsoft.com/office/2006/metadata/properties" xmlns:ns3="246628ed-b902-4bde-9cb2-b95f5582a2ce" xmlns:ns4="4e8b0afe-22a4-452b-ae06-8cabd0658848" targetNamespace="http://schemas.microsoft.com/office/2006/metadata/properties" ma:root="true" ma:fieldsID="f5d73a384b069110ab5db9ac98912687" ns3:_="" ns4:_="">
     <xsd:import namespace="246628ed-b902-4bde-9cb2-b95f5582a2ce"/>
@@ -14463,15 +14454,16 @@
 </ct:contentTypeSchema>
 </file>
 
-<file path=customXml/itemProps1.xml><?xml version="1.0" encoding="utf-8"?>
-<ds:datastoreItem xmlns:ds="http://schemas.openxmlformats.org/officeDocument/2006/customXml" ds:itemID="{33315AA3-EAE3-44ED-8368-BAC2FFFB4817}">
-  <ds:schemaRefs>
-    <ds:schemaRef ds:uri="http://schemas.microsoft.com/sharepoint/v3/contenttype/forms"/>
-  </ds:schemaRefs>
-</ds:datastoreItem>
+<file path=customXml/item3.xml><?xml version="1.0" encoding="utf-8"?>
+<?mso-contentType ?>
+<FormTemplates xmlns="http://schemas.microsoft.com/sharepoint/v3/contenttype/forms">
+  <Display>DocumentLibraryForm</Display>
+  <Edit>DocumentLibraryForm</Edit>
+  <New>DocumentLibraryForm</New>
+</FormTemplates>
 </file>
 
-<file path=customXml/itemProps2.xml><?xml version="1.0" encoding="utf-8"?>
+<file path=customXml/itemProps1.xml><?xml version="1.0" encoding="utf-8"?>
 <ds:datastoreItem xmlns:ds="http://schemas.openxmlformats.org/officeDocument/2006/customXml" ds:itemID="{D7023227-530E-4024-91EF-312A851A758C}">
   <ds:schemaRefs>
     <ds:schemaRef ds:uri="http://schemas.microsoft.com/office/2006/documentManagement/types"/>
@@ -14488,7 +14480,7 @@
 </ds:datastoreItem>
 </file>
 
-<file path=customXml/itemProps3.xml><?xml version="1.0" encoding="utf-8"?>
+<file path=customXml/itemProps2.xml><?xml version="1.0" encoding="utf-8"?>
 <ds:datastoreItem xmlns:ds="http://schemas.openxmlformats.org/officeDocument/2006/customXml" ds:itemID="{60E9A80C-22BC-45AC-8E2E-E86FB731BF06}">
   <ds:schemaRefs>
     <ds:schemaRef ds:uri="http://schemas.microsoft.com/office/2006/metadata/contentType"/>
@@ -14505,4 +14497,12 @@
     <ds:schemaRef ds:uri="http://schemas.microsoft.com/internal/obd"/>
   </ds:schemaRefs>
 </ds:datastoreItem>
+</file>
+
+<file path=customXml/itemProps3.xml><?xml version="1.0" encoding="utf-8"?>
+<ds:datastoreItem xmlns:ds="http://schemas.openxmlformats.org/officeDocument/2006/customXml" ds:itemID="{33315AA3-EAE3-44ED-8368-BAC2FFFB4817}">
+  <ds:schemaRefs>
+    <ds:schemaRef ds:uri="http://schemas.microsoft.com/sharepoint/v3/contenttype/forms"/>
+  </ds:schemaRefs>
+</ds:datastoreItem>
 </file>
--- a/02 - Cosmos DB/Cosmos DB.pptx
+++ b/02 - Cosmos DB/Cosmos DB.pptx
@@ -9670,15 +9670,7 @@
             </a:r>
             <a:r>
               <a:rPr lang="sk-SK" dirty="0"/>
-              <a:t>) alebo na kontajneri (</a:t>
-            </a:r>
-            <a:r>
-              <a:rPr lang="sk-SK" b="1" dirty="0" err="1"/>
-              <a:t>DefaultTimeToLive</a:t>
-            </a:r>
-            <a:r>
-              <a:rPr lang="sk-SK" dirty="0"/>
-              <a:t>)</a:t>
+              <a:t>) alebo na kontajneri</a:t>
             </a:r>
           </a:p>
           <a:p>
@@ -10146,7 +10138,7 @@
           </a:p>
           <a:p>
             <a:r>
-              <a:rPr lang="sk-SK" dirty="0"/>
+              <a:rPr lang="sk-SK" b="1" dirty="0"/>
               <a:t>Na poradí vymenovaných polí záleží</a:t>
             </a:r>
           </a:p>
@@ -10399,6 +10391,22 @@
             <a:r>
               <a:rPr lang="sk-SK" dirty="0" err="1"/>
               <a:t>JavaScripte</a:t>
+            </a:r>
+            <a:endParaRPr lang="en-US" dirty="0"/>
+          </a:p>
+          <a:p>
+            <a:pPr algn="just"/>
+            <a:r>
+              <a:rPr lang="en-US" dirty="0" err="1"/>
+              <a:t>Identifikovan</a:t>
+            </a:r>
+            <a:r>
+              <a:rPr lang="sk-SK" dirty="0"/>
+              <a:t>é ID-</a:t>
+            </a:r>
+            <a:r>
+              <a:rPr lang="sk-SK" dirty="0" err="1"/>
+              <a:t>čkom</a:t>
             </a:r>
             <a:endParaRPr lang="sk-SK" dirty="0"/>
           </a:p>
@@ -10629,7 +10637,7 @@
         <p:spPr/>
         <p:txBody>
           <a:bodyPr>
-            <a:normAutofit fontScale="92500" lnSpcReduction="20000"/>
+            <a:normAutofit fontScale="92500"/>
           </a:bodyPr>
           <a:lstStyle/>
           <a:p>
@@ -10645,18 +10653,7 @@
               <a:rPr lang="sk-SK" dirty="0"/>
               <a:t>Registrujú sa na konkrétny kontajner</a:t>
             </a:r>
-          </a:p>
-          <a:p>
-            <a:pPr algn="just"/>
-            <a:r>
-              <a:rPr lang="sk-SK" dirty="0"/>
-              <a:t>Jedinečne identifikované id-</a:t>
-            </a:r>
-            <a:r>
-              <a:rPr lang="sk-SK" dirty="0" err="1"/>
-              <a:t>čkom</a:t>
-            </a:r>
-            <a:endParaRPr lang="sk-SK" dirty="0"/>
+            <a:endParaRPr lang="en-US" dirty="0"/>
           </a:p>
           <a:p>
             <a:pPr algn="just"/>
@@ -12377,7 +12374,7 @@
           <a:p>
             <a:pPr lvl="1"/>
             <a:r>
-              <a:rPr lang="sk-SK">
+              <a:rPr lang="sk-SK" dirty="0">
                 <a:hlinkClick r:id="rId2"/>
               </a:rPr>
               <a:t>https://github.com/kubinko/Azure-Resources-Overview</a:t>

--- a/02 - Cosmos DB/Cosmos DB.pptx
+++ b/02 - Cosmos DB/Cosmos DB.pptx
@@ -246,7 +246,7 @@
             <a:pPr rtl="0"/>
             <a:fld id="{268207A6-7ADA-45B8-951F-34576C3577BD}" type="datetime1">
               <a:rPr lang="sk-SK" smtClean="0"/>
-              <a:t>9. 6. 2021</a:t>
+              <a:t>14. 6. 2021</a:t>
             </a:fld>
             <a:endParaRPr lang="sk-SK" dirty="0"/>
           </a:p>
@@ -416,7 +416,7 @@
             <a:pPr rtl="0"/>
             <a:fld id="{591A0293-3DCA-4153-B68A-A2DB651509C0}" type="datetime1">
               <a:rPr lang="sk-SK" noProof="0" smtClean="0"/>
-              <a:t>9. 6. 2021</a:t>
+              <a:t>14. 6. 2021</a:t>
             </a:fld>
             <a:endParaRPr lang="sk-SK" noProof="0" dirty="0"/>
           </a:p>
@@ -1278,7 +1278,7 @@
             <a:pPr rtl="0"/>
             <a:fld id="{900FA921-B42C-4118-B7D5-0895D3550D77}" type="datetime1">
               <a:rPr lang="sk-SK" noProof="0" smtClean="0"/>
-              <a:t>9. 6. 2021</a:t>
+              <a:t>14. 6. 2021</a:t>
             </a:fld>
             <a:endParaRPr lang="sk-SK" noProof="0" dirty="0"/>
           </a:p>
@@ -1575,7 +1575,7 @@
             <a:pPr rtl="0"/>
             <a:fld id="{4BEE775C-7769-4983-973F-31EBB41A2D12}" type="datetime1">
               <a:rPr lang="sk-SK" noProof="0" smtClean="0"/>
-              <a:t>9. 6. 2021</a:t>
+              <a:t>14. 6. 2021</a:t>
             </a:fld>
             <a:endParaRPr lang="sk-SK" noProof="0" dirty="0"/>
           </a:p>
@@ -1823,7 +1823,7 @@
             <a:pPr rtl="0"/>
             <a:fld id="{C932E5DF-018E-49DA-B38A-5E65209E32B5}" type="datetime1">
               <a:rPr lang="sk-SK" noProof="0" smtClean="0"/>
-              <a:t>9. 6. 2021</a:t>
+              <a:t>14. 6. 2021</a:t>
             </a:fld>
             <a:endParaRPr lang="sk-SK" noProof="0" dirty="0"/>
           </a:p>
@@ -2363,7 +2363,7 @@
             <a:pPr rtl="0"/>
             <a:fld id="{5109D02C-C2F0-42B1-AF2A-7F22B5DC25B0}" type="datetime1">
               <a:rPr lang="sk-SK" noProof="0" smtClean="0"/>
-              <a:t>9. 6. 2021</a:t>
+              <a:t>14. 6. 2021</a:t>
             </a:fld>
             <a:endParaRPr lang="sk-SK" noProof="0" dirty="0"/>
           </a:p>
@@ -2611,7 +2611,7 @@
             <a:pPr rtl="0"/>
             <a:fld id="{27313ED6-7DF5-4EA8-A15A-56106F4AB1A8}" type="datetime1">
               <a:rPr lang="sk-SK" noProof="0" smtClean="0"/>
-              <a:t>9. 6. 2021</a:t>
+              <a:t>14. 6. 2021</a:t>
             </a:fld>
             <a:endParaRPr lang="sk-SK" noProof="0" dirty="0"/>
           </a:p>
@@ -3143,7 +3143,7 @@
             <a:pPr rtl="0"/>
             <a:fld id="{460B05BE-B82C-4836-BEE3-86B662C73967}" type="datetime1">
               <a:rPr lang="sk-SK" noProof="0" smtClean="0"/>
-              <a:t>9. 6. 2021</a:t>
+              <a:t>14. 6. 2021</a:t>
             </a:fld>
             <a:endParaRPr lang="sk-SK" noProof="0" dirty="0"/>
           </a:p>
@@ -3439,7 +3439,7 @@
             <a:pPr rtl="0"/>
             <a:fld id="{B6D80D0C-15C1-4232-BBBA-C081C283B074}" type="datetime1">
               <a:rPr lang="sk-SK" noProof="0" smtClean="0"/>
-              <a:t>9. 6. 2021</a:t>
+              <a:t>14. 6. 2021</a:t>
             </a:fld>
             <a:endParaRPr lang="sk-SK" noProof="0" dirty="0"/>
           </a:p>
@@ -3613,7 +3613,7 @@
             <a:pPr rtl="0"/>
             <a:fld id="{9C092629-6D55-437C-89A0-31B0B55C4A73}" type="datetime1">
               <a:rPr lang="sk-SK" noProof="0" smtClean="0"/>
-              <a:t>9. 6. 2021</a:t>
+              <a:t>14. 6. 2021</a:t>
             </a:fld>
             <a:endParaRPr lang="sk-SK" noProof="0" dirty="0"/>
           </a:p>
@@ -3793,7 +3793,7 @@
             <a:pPr rtl="0"/>
             <a:fld id="{45F7A265-AC1F-4DE6-B2E7-EDDEC1CB13AE}" type="datetime1">
               <a:rPr lang="sk-SK" noProof="0" smtClean="0"/>
-              <a:t>9. 6. 2021</a:t>
+              <a:t>14. 6. 2021</a:t>
             </a:fld>
             <a:endParaRPr lang="sk-SK" noProof="0" dirty="0"/>
           </a:p>
@@ -3963,7 +3963,7 @@
             <a:pPr rtl="0"/>
             <a:fld id="{556A154B-A35F-4191-B844-7C2621556C5A}" type="datetime1">
               <a:rPr lang="sk-SK" noProof="0" smtClean="0"/>
-              <a:t>9. 6. 2021</a:t>
+              <a:t>14. 6. 2021</a:t>
             </a:fld>
             <a:endParaRPr lang="sk-SK" noProof="0" dirty="0"/>
           </a:p>
@@ -4214,7 +4214,7 @@
             <a:pPr rtl="0"/>
             <a:fld id="{ECC8ABC4-B50E-4AED-80D0-A4EA425A67F1}" type="datetime1">
               <a:rPr lang="sk-SK" noProof="0" smtClean="0"/>
-              <a:t>9. 6. 2021</a:t>
+              <a:t>14. 6. 2021</a:t>
             </a:fld>
             <a:endParaRPr lang="sk-SK" noProof="0" dirty="0"/>
           </a:p>
@@ -4511,7 +4511,7 @@
             <a:pPr rtl="0"/>
             <a:fld id="{79846675-4AE1-4AA6-90BD-F0C34E95FD01}" type="datetime1">
               <a:rPr lang="sk-SK" noProof="0" smtClean="0"/>
-              <a:t>9. 6. 2021</a:t>
+              <a:t>14. 6. 2021</a:t>
             </a:fld>
             <a:endParaRPr lang="sk-SK" noProof="0" dirty="0"/>
           </a:p>
@@ -4953,7 +4953,7 @@
             <a:pPr rtl="0"/>
             <a:fld id="{7378032B-3EDA-4C05-BE29-4965CEDCD681}" type="datetime1">
               <a:rPr lang="sk-SK" noProof="0" smtClean="0"/>
-              <a:t>9. 6. 2021</a:t>
+              <a:t>14. 6. 2021</a:t>
             </a:fld>
             <a:endParaRPr lang="sk-SK" noProof="0" dirty="0"/>
           </a:p>
@@ -5071,7 +5071,7 @@
             <a:pPr rtl="0"/>
             <a:fld id="{8E1C420E-D5B6-4085-8589-6BD6C0D15322}" type="datetime1">
               <a:rPr lang="sk-SK" noProof="0" smtClean="0"/>
-              <a:t>9. 6. 2021</a:t>
+              <a:t>14. 6. 2021</a:t>
             </a:fld>
             <a:endParaRPr lang="sk-SK" noProof="0" dirty="0"/>
           </a:p>
@@ -5165,7 +5165,7 @@
             <a:pPr rtl="0"/>
             <a:fld id="{EE61EFEC-06A5-463A-84CB-3AC23AB02C2D}" type="datetime1">
               <a:rPr lang="sk-SK" noProof="0" smtClean="0"/>
-              <a:t>9. 6. 2021</a:t>
+              <a:t>14. 6. 2021</a:t>
             </a:fld>
             <a:endParaRPr lang="sk-SK" noProof="0" dirty="0"/>
           </a:p>
@@ -5448,7 +5448,7 @@
             <a:pPr rtl="0"/>
             <a:fld id="{2EB672FB-3028-4C4A-9E46-B78FDE73405B}" type="datetime1">
               <a:rPr lang="sk-SK" noProof="0" smtClean="0"/>
-              <a:t>9. 6. 2021</a:t>
+              <a:t>14. 6. 2021</a:t>
             </a:fld>
             <a:endParaRPr lang="sk-SK" noProof="0" dirty="0"/>
           </a:p>
@@ -5740,7 +5740,7 @@
             <a:pPr rtl="0"/>
             <a:fld id="{60367B1A-8B56-4DB3-9D45-FDEF93DAB338}" type="datetime1">
               <a:rPr lang="sk-SK" noProof="0" smtClean="0"/>
-              <a:t>9. 6. 2021</a:t>
+              <a:t>14. 6. 2021</a:t>
             </a:fld>
             <a:endParaRPr lang="sk-SK" noProof="0" dirty="0"/>
           </a:p>
@@ -6268,7 +6268,7 @@
             <a:pPr rtl="0"/>
             <a:fld id="{34C29ED1-23D1-4646-81FC-DC0A2419921B}" type="datetime1">
               <a:rPr lang="sk-SK" noProof="0" smtClean="0"/>
-              <a:t>9. 6. 2021</a:t>
+              <a:t>14. 6. 2021</a:t>
             </a:fld>
             <a:endParaRPr lang="sk-SK" noProof="0" dirty="0"/>
           </a:p>
@@ -13324,8 +13324,13 @@
             </a:r>
             <a:r>
               <a:rPr lang="sk-SK" dirty="0"/>
-              <a:t> DB podporuje indexovanie na ľubovoľných vlastnostiach</a:t>
-            </a:r>
+              <a:t> DB podporuje indexovanie na ľubovoľných </a:t>
+            </a:r>
+            <a:r>
+              <a:rPr lang="en-US" dirty="0" err="1"/>
+              <a:t>poliach</a:t>
+            </a:r>
+            <a:endParaRPr lang="sk-SK" dirty="0"/>
           </a:p>
           <a:p>
             <a:pPr algn="just"/>
@@ -14249,12 +14254,6 @@
 </file>
 
 <file path=customXml/item1.xml><?xml version="1.0" encoding="utf-8"?>
-<p:properties xmlns:p="http://schemas.microsoft.com/office/2006/metadata/properties" xmlns:xsi="http://www.w3.org/2001/XMLSchema-instance" xmlns:pc="http://schemas.microsoft.com/office/infopath/2007/PartnerControls">
-  <documentManagement/>
-</p:properties>
-</file>
-
-<file path=customXml/item2.xml><?xml version="1.0" encoding="utf-8"?>
 <ct:contentTypeSchema xmlns:ct="http://schemas.microsoft.com/office/2006/metadata/contentType" xmlns:ma="http://schemas.microsoft.com/office/2006/metadata/properties/metaAttributes" ct:_="" ma:_="" ma:contentTypeName="Dokument" ma:contentTypeID="0x010100D81D723D8BF7FD46A3A6BCCE71436C13" ma:contentTypeVersion="9" ma:contentTypeDescription="Umožňuje vytvoriť nový dokument." ma:contentTypeScope="" ma:versionID="5027bbb3b2b87f7facb5ec0a1a051276">
   <xsd:schema xmlns:xsd="http://www.w3.org/2001/XMLSchema" xmlns:xs="http://www.w3.org/2001/XMLSchema" xmlns:p="http://schemas.microsoft.com/office/2006/metadata/properties" xmlns:ns3="246628ed-b902-4bde-9cb2-b95f5582a2ce" xmlns:ns4="4e8b0afe-22a4-452b-ae06-8cabd0658848" targetNamespace="http://schemas.microsoft.com/office/2006/metadata/properties" ma:root="true" ma:fieldsID="f5d73a384b069110ab5db9ac98912687" ns3:_="" ns4:_="">
     <xsd:import namespace="246628ed-b902-4bde-9cb2-b95f5582a2ce"/>
@@ -14451,7 +14450,7 @@
 </ct:contentTypeSchema>
 </file>
 
-<file path=customXml/item3.xml><?xml version="1.0" encoding="utf-8"?>
+<file path=customXml/item2.xml><?xml version="1.0" encoding="utf-8"?>
 <?mso-contentType ?>
 <FormTemplates xmlns="http://schemas.microsoft.com/sharepoint/v3/contenttype/forms">
   <Display>DocumentLibraryForm</Display>
@@ -14460,24 +14459,13 @@
 </FormTemplates>
 </file>
 
-<file path=customXml/itemProps1.xml><?xml version="1.0" encoding="utf-8"?>
-<ds:datastoreItem xmlns:ds="http://schemas.openxmlformats.org/officeDocument/2006/customXml" ds:itemID="{D7023227-530E-4024-91EF-312A851A758C}">
-  <ds:schemaRefs>
-    <ds:schemaRef ds:uri="http://schemas.microsoft.com/office/2006/documentManagement/types"/>
-    <ds:schemaRef ds:uri="http://purl.org/dc/elements/1.1/"/>
-    <ds:schemaRef ds:uri="http://purl.org/dc/dcmitype/"/>
-    <ds:schemaRef ds:uri="http://schemas.microsoft.com/office/infopath/2007/PartnerControls"/>
-    <ds:schemaRef ds:uri="http://purl.org/dc/terms/"/>
-    <ds:schemaRef ds:uri="246628ed-b902-4bde-9cb2-b95f5582a2ce"/>
-    <ds:schemaRef ds:uri="4e8b0afe-22a4-452b-ae06-8cabd0658848"/>
-    <ds:schemaRef ds:uri="http://schemas.openxmlformats.org/package/2006/metadata/core-properties"/>
-    <ds:schemaRef ds:uri="http://schemas.microsoft.com/office/2006/metadata/properties"/>
-    <ds:schemaRef ds:uri="http://www.w3.org/XML/1998/namespace"/>
-  </ds:schemaRefs>
-</ds:datastoreItem>
+<file path=customXml/item3.xml><?xml version="1.0" encoding="utf-8"?>
+<p:properties xmlns:p="http://schemas.microsoft.com/office/2006/metadata/properties" xmlns:xsi="http://www.w3.org/2001/XMLSchema-instance" xmlns:pc="http://schemas.microsoft.com/office/infopath/2007/PartnerControls">
+  <documentManagement/>
+</p:properties>
 </file>
 
-<file path=customXml/itemProps2.xml><?xml version="1.0" encoding="utf-8"?>
+<file path=customXml/itemProps1.xml><?xml version="1.0" encoding="utf-8"?>
 <ds:datastoreItem xmlns:ds="http://schemas.openxmlformats.org/officeDocument/2006/customXml" ds:itemID="{60E9A80C-22BC-45AC-8E2E-E86FB731BF06}">
   <ds:schemaRefs>
     <ds:schemaRef ds:uri="http://schemas.microsoft.com/office/2006/metadata/contentType"/>
@@ -14496,10 +14484,27 @@
 </ds:datastoreItem>
 </file>
 
-<file path=customXml/itemProps3.xml><?xml version="1.0" encoding="utf-8"?>
+<file path=customXml/itemProps2.xml><?xml version="1.0" encoding="utf-8"?>
 <ds:datastoreItem xmlns:ds="http://schemas.openxmlformats.org/officeDocument/2006/customXml" ds:itemID="{33315AA3-EAE3-44ED-8368-BAC2FFFB4817}">
   <ds:schemaRefs>
     <ds:schemaRef ds:uri="http://schemas.microsoft.com/sharepoint/v3/contenttype/forms"/>
   </ds:schemaRefs>
 </ds:datastoreItem>
+</file>
+
+<file path=customXml/itemProps3.xml><?xml version="1.0" encoding="utf-8"?>
+<ds:datastoreItem xmlns:ds="http://schemas.openxmlformats.org/officeDocument/2006/customXml" ds:itemID="{D7023227-530E-4024-91EF-312A851A758C}">
+  <ds:schemaRefs>
+    <ds:schemaRef ds:uri="http://schemas.microsoft.com/office/2006/documentManagement/types"/>
+    <ds:schemaRef ds:uri="http://purl.org/dc/elements/1.1/"/>
+    <ds:schemaRef ds:uri="http://purl.org/dc/dcmitype/"/>
+    <ds:schemaRef ds:uri="http://schemas.microsoft.com/office/infopath/2007/PartnerControls"/>
+    <ds:schemaRef ds:uri="http://purl.org/dc/terms/"/>
+    <ds:schemaRef ds:uri="246628ed-b902-4bde-9cb2-b95f5582a2ce"/>
+    <ds:schemaRef ds:uri="4e8b0afe-22a4-452b-ae06-8cabd0658848"/>
+    <ds:schemaRef ds:uri="http://schemas.openxmlformats.org/package/2006/metadata/core-properties"/>
+    <ds:schemaRef ds:uri="http://schemas.microsoft.com/office/2006/metadata/properties"/>
+    <ds:schemaRef ds:uri="http://www.w3.org/XML/1998/namespace"/>
+  </ds:schemaRefs>
+</ds:datastoreItem>
 </file>